--- a/timing constraint implementation.pptx
+++ b/timing constraint implementation.pptx
@@ -10,8 +10,10 @@
     <p:sldId id="258" r:id="rId4"/>
     <p:sldId id="260" r:id="rId5"/>
     <p:sldId id="262" r:id="rId6"/>
-    <p:sldId id="261" r:id="rId7"/>
-    <p:sldId id="259" r:id="rId8"/>
+    <p:sldId id="263" r:id="rId7"/>
+    <p:sldId id="264" r:id="rId8"/>
+    <p:sldId id="261" r:id="rId9"/>
+    <p:sldId id="259" r:id="rId10"/>
   </p:sldIdLst>
   <p:sldSz cx="12192000" cy="6858000"/>
   <p:notesSz cx="6858000" cy="9144000"/>
@@ -267,7 +269,7 @@
           <a:p>
             <a:fld id="{6A402EA0-94D2-44B8-998C-DB96AFE37B03}" type="datetimeFigureOut">
               <a:rPr lang="en-IN" smtClean="0"/>
-              <a:t>02-04-2024</a:t>
+              <a:t>18-04-2024</a:t>
             </a:fld>
             <a:endParaRPr lang="en-IN"/>
           </a:p>
@@ -467,7 +469,7 @@
           <a:p>
             <a:fld id="{6A402EA0-94D2-44B8-998C-DB96AFE37B03}" type="datetimeFigureOut">
               <a:rPr lang="en-IN" smtClean="0"/>
-              <a:t>02-04-2024</a:t>
+              <a:t>18-04-2024</a:t>
             </a:fld>
             <a:endParaRPr lang="en-IN"/>
           </a:p>
@@ -677,7 +679,7 @@
           <a:p>
             <a:fld id="{6A402EA0-94D2-44B8-998C-DB96AFE37B03}" type="datetimeFigureOut">
               <a:rPr lang="en-IN" smtClean="0"/>
-              <a:t>02-04-2024</a:t>
+              <a:t>18-04-2024</a:t>
             </a:fld>
             <a:endParaRPr lang="en-IN"/>
           </a:p>
@@ -877,7 +879,7 @@
           <a:p>
             <a:fld id="{6A402EA0-94D2-44B8-998C-DB96AFE37B03}" type="datetimeFigureOut">
               <a:rPr lang="en-IN" smtClean="0"/>
-              <a:t>02-04-2024</a:t>
+              <a:t>18-04-2024</a:t>
             </a:fld>
             <a:endParaRPr lang="en-IN"/>
           </a:p>
@@ -1153,7 +1155,7 @@
           <a:p>
             <a:fld id="{6A402EA0-94D2-44B8-998C-DB96AFE37B03}" type="datetimeFigureOut">
               <a:rPr lang="en-IN" smtClean="0"/>
-              <a:t>02-04-2024</a:t>
+              <a:t>18-04-2024</a:t>
             </a:fld>
             <a:endParaRPr lang="en-IN"/>
           </a:p>
@@ -1421,7 +1423,7 @@
           <a:p>
             <a:fld id="{6A402EA0-94D2-44B8-998C-DB96AFE37B03}" type="datetimeFigureOut">
               <a:rPr lang="en-IN" smtClean="0"/>
-              <a:t>02-04-2024</a:t>
+              <a:t>18-04-2024</a:t>
             </a:fld>
             <a:endParaRPr lang="en-IN"/>
           </a:p>
@@ -1836,7 +1838,7 @@
           <a:p>
             <a:fld id="{6A402EA0-94D2-44B8-998C-DB96AFE37B03}" type="datetimeFigureOut">
               <a:rPr lang="en-IN" smtClean="0"/>
-              <a:t>02-04-2024</a:t>
+              <a:t>18-04-2024</a:t>
             </a:fld>
             <a:endParaRPr lang="en-IN"/>
           </a:p>
@@ -1978,7 +1980,7 @@
           <a:p>
             <a:fld id="{6A402EA0-94D2-44B8-998C-DB96AFE37B03}" type="datetimeFigureOut">
               <a:rPr lang="en-IN" smtClean="0"/>
-              <a:t>02-04-2024</a:t>
+              <a:t>18-04-2024</a:t>
             </a:fld>
             <a:endParaRPr lang="en-IN"/>
           </a:p>
@@ -2091,7 +2093,7 @@
           <a:p>
             <a:fld id="{6A402EA0-94D2-44B8-998C-DB96AFE37B03}" type="datetimeFigureOut">
               <a:rPr lang="en-IN" smtClean="0"/>
-              <a:t>02-04-2024</a:t>
+              <a:t>18-04-2024</a:t>
             </a:fld>
             <a:endParaRPr lang="en-IN"/>
           </a:p>
@@ -2404,7 +2406,7 @@
           <a:p>
             <a:fld id="{6A402EA0-94D2-44B8-998C-DB96AFE37B03}" type="datetimeFigureOut">
               <a:rPr lang="en-IN" smtClean="0"/>
-              <a:t>02-04-2024</a:t>
+              <a:t>18-04-2024</a:t>
             </a:fld>
             <a:endParaRPr lang="en-IN"/>
           </a:p>
@@ -2693,7 +2695,7 @@
           <a:p>
             <a:fld id="{6A402EA0-94D2-44B8-998C-DB96AFE37B03}" type="datetimeFigureOut">
               <a:rPr lang="en-IN" smtClean="0"/>
-              <a:t>02-04-2024</a:t>
+              <a:t>18-04-2024</a:t>
             </a:fld>
             <a:endParaRPr lang="en-IN"/>
           </a:p>
@@ -2936,7 +2938,7 @@
           <a:p>
             <a:fld id="{6A402EA0-94D2-44B8-998C-DB96AFE37B03}" type="datetimeFigureOut">
               <a:rPr lang="en-IN" smtClean="0"/>
-              <a:t>02-04-2024</a:t>
+              <a:t>18-04-2024</a:t>
             </a:fld>
             <a:endParaRPr lang="en-IN"/>
           </a:p>
@@ -12948,6 +12950,1905 @@
       </p:grpSpPr>
       <p:sp>
         <p:nvSpPr>
+          <p:cNvPr id="4" name="Rectangle 3">
+            <a:extLst>
+              <a:ext uri="{FF2B5EF4-FFF2-40B4-BE49-F238E27FC236}">
+                <a16:creationId xmlns:a16="http://schemas.microsoft.com/office/drawing/2014/main" id="{EAA9E9E3-8A5C-0D60-EEE2-47EF03A565AF}"/>
+              </a:ext>
+            </a:extLst>
+          </p:cNvPr>
+          <p:cNvSpPr/>
+          <p:nvPr/>
+        </p:nvSpPr>
+        <p:spPr>
+          <a:xfrm>
+            <a:off x="2807803" y="1588440"/>
+            <a:ext cx="1411889" cy="503270"/>
+          </a:xfrm>
+          <a:prstGeom prst="rect">
+            <a:avLst/>
+          </a:prstGeom>
+          <a:noFill/>
+        </p:spPr>
+        <p:style>
+          <a:lnRef idx="2">
+            <a:schemeClr val="accent1">
+              <a:shade val="15000"/>
+            </a:schemeClr>
+          </a:lnRef>
+          <a:fillRef idx="1">
+            <a:schemeClr val="accent1"/>
+          </a:fillRef>
+          <a:effectRef idx="0">
+            <a:schemeClr val="accent1"/>
+          </a:effectRef>
+          <a:fontRef idx="minor">
+            <a:schemeClr val="lt1"/>
+          </a:fontRef>
+        </p:style>
+        <p:txBody>
+          <a:bodyPr rtlCol="0" anchor="ctr"/>
+          <a:lstStyle/>
+          <a:p>
+            <a:pPr algn="ctr"/>
+            <a:r>
+              <a:rPr lang="en-IN" sz="1050" dirty="0">
+                <a:solidFill>
+                  <a:schemeClr val="accent6"/>
+                </a:solidFill>
+              </a:rPr>
+              <a:t>Modulus Conjugation </a:t>
+            </a:r>
+            <a:r>
+              <a:rPr lang="en-IN" sz="1050" dirty="0">
+                <a:solidFill>
+                  <a:srgbClr val="FF0000"/>
+                </a:solidFill>
+              </a:rPr>
+              <a:t>(ET: 4 min) </a:t>
+            </a:r>
+            <a:r>
+              <a:rPr lang="en-IN" sz="1050" dirty="0">
+                <a:solidFill>
+                  <a:schemeClr val="accent5">
+                    <a:lumMod val="75000"/>
+                  </a:schemeClr>
+                </a:solidFill>
+              </a:rPr>
+              <a:t>(Profit: 3), 35</a:t>
+            </a:r>
+            <a:endParaRPr lang="en-IN" sz="1050" dirty="0">
+              <a:solidFill>
+                <a:schemeClr val="tx1"/>
+              </a:solidFill>
+            </a:endParaRPr>
+          </a:p>
+        </p:txBody>
+      </p:sp>
+      <p:cxnSp>
+        <p:nvCxnSpPr>
+          <p:cNvPr id="5" name="Straight Arrow Connector 4">
+            <a:extLst>
+              <a:ext uri="{FF2B5EF4-FFF2-40B4-BE49-F238E27FC236}">
+                <a16:creationId xmlns:a16="http://schemas.microsoft.com/office/drawing/2014/main" id="{67760C81-A1C0-BF34-B061-AFD9CA52F66E}"/>
+              </a:ext>
+            </a:extLst>
+          </p:cNvPr>
+          <p:cNvCxnSpPr>
+            <a:cxnSpLocks/>
+            <a:stCxn id="12" idx="2"/>
+            <a:endCxn id="4" idx="0"/>
+          </p:cNvCxnSpPr>
+          <p:nvPr/>
+        </p:nvCxnSpPr>
+        <p:spPr>
+          <a:xfrm flipH="1">
+            <a:off x="3513748" y="1078447"/>
+            <a:ext cx="2692566" cy="509993"/>
+          </a:xfrm>
+          <a:prstGeom prst="straightConnector1">
+            <a:avLst/>
+          </a:prstGeom>
+          <a:ln>
+            <a:tailEnd type="triangle"/>
+          </a:ln>
+        </p:spPr>
+        <p:style>
+          <a:lnRef idx="2">
+            <a:schemeClr val="accent1"/>
+          </a:lnRef>
+          <a:fillRef idx="0">
+            <a:schemeClr val="accent1"/>
+          </a:fillRef>
+          <a:effectRef idx="1">
+            <a:schemeClr val="accent1"/>
+          </a:effectRef>
+          <a:fontRef idx="minor">
+            <a:schemeClr val="tx1"/>
+          </a:fontRef>
+        </p:style>
+      </p:cxnSp>
+      <p:sp>
+        <p:nvSpPr>
+          <p:cNvPr id="6" name="Rectangle 5">
+            <a:extLst>
+              <a:ext uri="{FF2B5EF4-FFF2-40B4-BE49-F238E27FC236}">
+                <a16:creationId xmlns:a16="http://schemas.microsoft.com/office/drawing/2014/main" id="{F4FD3F74-4090-D75C-4DDA-A4FDCA2632AF}"/>
+              </a:ext>
+            </a:extLst>
+          </p:cNvPr>
+          <p:cNvSpPr/>
+          <p:nvPr/>
+        </p:nvSpPr>
+        <p:spPr>
+          <a:xfrm>
+            <a:off x="1275180" y="2419756"/>
+            <a:ext cx="1535650" cy="363894"/>
+          </a:xfrm>
+          <a:prstGeom prst="rect">
+            <a:avLst/>
+          </a:prstGeom>
+          <a:noFill/>
+        </p:spPr>
+        <p:style>
+          <a:lnRef idx="2">
+            <a:schemeClr val="accent1">
+              <a:shade val="15000"/>
+            </a:schemeClr>
+          </a:lnRef>
+          <a:fillRef idx="1">
+            <a:schemeClr val="accent1"/>
+          </a:fillRef>
+          <a:effectRef idx="0">
+            <a:schemeClr val="accent1"/>
+          </a:effectRef>
+          <a:fontRef idx="minor">
+            <a:schemeClr val="lt1"/>
+          </a:fontRef>
+        </p:style>
+        <p:txBody>
+          <a:bodyPr rtlCol="0" anchor="ctr"/>
+          <a:lstStyle/>
+          <a:p>
+            <a:pPr algn="ctr"/>
+            <a:r>
+              <a:rPr lang="en-IN" sz="1050" dirty="0">
+                <a:solidFill>
+                  <a:srgbClr val="00B050"/>
+                </a:solidFill>
+              </a:rPr>
+              <a:t>Complex Numbers </a:t>
+            </a:r>
+            <a:r>
+              <a:rPr lang="en-IN" sz="1050" dirty="0">
+                <a:solidFill>
+                  <a:srgbClr val="FF0000"/>
+                </a:solidFill>
+              </a:rPr>
+              <a:t>(ET: 2 min)</a:t>
+            </a:r>
+            <a:r>
+              <a:rPr lang="en-IN" sz="1050" dirty="0">
+                <a:solidFill>
+                  <a:schemeClr val="accent5">
+                    <a:lumMod val="75000"/>
+                  </a:schemeClr>
+                </a:solidFill>
+              </a:rPr>
+              <a:t> (Profit: 2), 32</a:t>
+            </a:r>
+            <a:endParaRPr lang="en-IN" sz="1050" dirty="0">
+              <a:solidFill>
+                <a:schemeClr val="tx1"/>
+              </a:solidFill>
+            </a:endParaRPr>
+          </a:p>
+        </p:txBody>
+      </p:sp>
+      <p:sp>
+        <p:nvSpPr>
+          <p:cNvPr id="7" name="Rectangle 6">
+            <a:extLst>
+              <a:ext uri="{FF2B5EF4-FFF2-40B4-BE49-F238E27FC236}">
+                <a16:creationId xmlns:a16="http://schemas.microsoft.com/office/drawing/2014/main" id="{E06C1751-DA47-EA59-D32D-EA76D0FBFDBD}"/>
+              </a:ext>
+            </a:extLst>
+          </p:cNvPr>
+          <p:cNvSpPr/>
+          <p:nvPr/>
+        </p:nvSpPr>
+        <p:spPr>
+          <a:xfrm>
+            <a:off x="484119" y="3945345"/>
+            <a:ext cx="1582122" cy="296786"/>
+          </a:xfrm>
+          <a:prstGeom prst="rect">
+            <a:avLst/>
+          </a:prstGeom>
+          <a:noFill/>
+        </p:spPr>
+        <p:style>
+          <a:lnRef idx="2">
+            <a:schemeClr val="accent1">
+              <a:shade val="15000"/>
+            </a:schemeClr>
+          </a:lnRef>
+          <a:fillRef idx="1">
+            <a:schemeClr val="accent1"/>
+          </a:fillRef>
+          <a:effectRef idx="0">
+            <a:schemeClr val="accent1"/>
+          </a:effectRef>
+          <a:fontRef idx="minor">
+            <a:schemeClr val="lt1"/>
+          </a:fontRef>
+        </p:style>
+        <p:txBody>
+          <a:bodyPr rtlCol="0" anchor="ctr"/>
+          <a:lstStyle/>
+          <a:p>
+            <a:pPr algn="ctr"/>
+            <a:r>
+              <a:rPr lang="en-IN" sz="1050" dirty="0">
+                <a:solidFill>
+                  <a:srgbClr val="00B050"/>
+                </a:solidFill>
+              </a:rPr>
+              <a:t>Background</a:t>
+            </a:r>
+            <a:r>
+              <a:rPr lang="en-IN" sz="1050" dirty="0">
+                <a:solidFill>
+                  <a:schemeClr val="tx1"/>
+                </a:solidFill>
+              </a:rPr>
+              <a:t> </a:t>
+            </a:r>
+            <a:r>
+              <a:rPr lang="en-IN" sz="1050" dirty="0">
+                <a:solidFill>
+                  <a:srgbClr val="FF0000"/>
+                </a:solidFill>
+              </a:rPr>
+              <a:t>(ET: 2 min) </a:t>
+            </a:r>
+            <a:r>
+              <a:rPr lang="en-IN" sz="1050" dirty="0">
+                <a:solidFill>
+                  <a:schemeClr val="accent5">
+                    <a:lumMod val="75000"/>
+                  </a:schemeClr>
+                </a:solidFill>
+              </a:rPr>
+              <a:t>(Profit:2)</a:t>
+            </a:r>
+            <a:endParaRPr lang="en-IN" sz="1050" dirty="0">
+              <a:solidFill>
+                <a:schemeClr val="tx1"/>
+              </a:solidFill>
+            </a:endParaRPr>
+          </a:p>
+        </p:txBody>
+      </p:sp>
+      <p:sp>
+        <p:nvSpPr>
+          <p:cNvPr id="8" name="Rectangle 7">
+            <a:extLst>
+              <a:ext uri="{FF2B5EF4-FFF2-40B4-BE49-F238E27FC236}">
+                <a16:creationId xmlns:a16="http://schemas.microsoft.com/office/drawing/2014/main" id="{F702FD72-FEBE-0A4B-1688-999B44F3BDF1}"/>
+              </a:ext>
+            </a:extLst>
+          </p:cNvPr>
+          <p:cNvSpPr/>
+          <p:nvPr/>
+        </p:nvSpPr>
+        <p:spPr>
+          <a:xfrm>
+            <a:off x="278186" y="3426396"/>
+            <a:ext cx="1993989" cy="391755"/>
+          </a:xfrm>
+          <a:prstGeom prst="rect">
+            <a:avLst/>
+          </a:prstGeom>
+          <a:noFill/>
+        </p:spPr>
+        <p:style>
+          <a:lnRef idx="2">
+            <a:schemeClr val="accent1">
+              <a:shade val="15000"/>
+            </a:schemeClr>
+          </a:lnRef>
+          <a:fillRef idx="1">
+            <a:schemeClr val="accent1"/>
+          </a:fillRef>
+          <a:effectRef idx="0">
+            <a:schemeClr val="accent1"/>
+          </a:effectRef>
+          <a:fontRef idx="minor">
+            <a:schemeClr val="lt1"/>
+          </a:fontRef>
+        </p:style>
+        <p:txBody>
+          <a:bodyPr rtlCol="0" anchor="ctr"/>
+          <a:lstStyle/>
+          <a:p>
+            <a:pPr algn="ctr"/>
+            <a:r>
+              <a:rPr lang="en-IN" sz="1050" dirty="0">
+                <a:solidFill>
+                  <a:srgbClr val="00B050"/>
+                </a:solidFill>
+              </a:rPr>
+              <a:t>Imaginary Numbers </a:t>
+            </a:r>
+            <a:r>
+              <a:rPr lang="en-IN" sz="1050" dirty="0">
+                <a:solidFill>
+                  <a:srgbClr val="FF0000"/>
+                </a:solidFill>
+              </a:rPr>
+              <a:t>(ET: 3 min) </a:t>
+            </a:r>
+            <a:r>
+              <a:rPr lang="en-IN" sz="1050" dirty="0">
+                <a:solidFill>
+                  <a:schemeClr val="accent5">
+                    <a:lumMod val="75000"/>
+                  </a:schemeClr>
+                </a:solidFill>
+              </a:rPr>
+              <a:t>(Profit:3), 5</a:t>
+            </a:r>
+            <a:endParaRPr lang="en-IN" sz="1050" dirty="0">
+              <a:solidFill>
+                <a:schemeClr val="tx1"/>
+              </a:solidFill>
+            </a:endParaRPr>
+          </a:p>
+        </p:txBody>
+      </p:sp>
+      <p:cxnSp>
+        <p:nvCxnSpPr>
+          <p:cNvPr id="9" name="Straight Arrow Connector 8">
+            <a:extLst>
+              <a:ext uri="{FF2B5EF4-FFF2-40B4-BE49-F238E27FC236}">
+                <a16:creationId xmlns:a16="http://schemas.microsoft.com/office/drawing/2014/main" id="{2AE25127-1A15-AD7F-5DF8-D5FBCE8B391E}"/>
+              </a:ext>
+            </a:extLst>
+          </p:cNvPr>
+          <p:cNvCxnSpPr>
+            <a:cxnSpLocks/>
+            <a:stCxn id="4" idx="2"/>
+            <a:endCxn id="6" idx="0"/>
+          </p:cNvCxnSpPr>
+          <p:nvPr/>
+        </p:nvCxnSpPr>
+        <p:spPr>
+          <a:xfrm flipH="1">
+            <a:off x="2043005" y="2091710"/>
+            <a:ext cx="1470743" cy="328046"/>
+          </a:xfrm>
+          <a:prstGeom prst="straightConnector1">
+            <a:avLst/>
+          </a:prstGeom>
+          <a:ln>
+            <a:tailEnd type="triangle"/>
+          </a:ln>
+        </p:spPr>
+        <p:style>
+          <a:lnRef idx="2">
+            <a:schemeClr val="accent1"/>
+          </a:lnRef>
+          <a:fillRef idx="0">
+            <a:schemeClr val="accent1"/>
+          </a:fillRef>
+          <a:effectRef idx="1">
+            <a:schemeClr val="accent1"/>
+          </a:effectRef>
+          <a:fontRef idx="minor">
+            <a:schemeClr val="tx1"/>
+          </a:fontRef>
+        </p:style>
+      </p:cxnSp>
+      <p:cxnSp>
+        <p:nvCxnSpPr>
+          <p:cNvPr id="10" name="Straight Arrow Connector 9">
+            <a:extLst>
+              <a:ext uri="{FF2B5EF4-FFF2-40B4-BE49-F238E27FC236}">
+                <a16:creationId xmlns:a16="http://schemas.microsoft.com/office/drawing/2014/main" id="{D8B24EC6-B510-9BB4-2209-926D30AAEE29}"/>
+              </a:ext>
+            </a:extLst>
+          </p:cNvPr>
+          <p:cNvCxnSpPr>
+            <a:cxnSpLocks/>
+            <a:stCxn id="6" idx="2"/>
+            <a:endCxn id="8" idx="0"/>
+          </p:cNvCxnSpPr>
+          <p:nvPr/>
+        </p:nvCxnSpPr>
+        <p:spPr>
+          <a:xfrm flipH="1">
+            <a:off x="1275181" y="2783650"/>
+            <a:ext cx="767824" cy="642746"/>
+          </a:xfrm>
+          <a:prstGeom prst="straightConnector1">
+            <a:avLst/>
+          </a:prstGeom>
+          <a:ln>
+            <a:tailEnd type="triangle"/>
+          </a:ln>
+        </p:spPr>
+        <p:style>
+          <a:lnRef idx="2">
+            <a:schemeClr val="accent1"/>
+          </a:lnRef>
+          <a:fillRef idx="0">
+            <a:schemeClr val="accent1"/>
+          </a:fillRef>
+          <a:effectRef idx="1">
+            <a:schemeClr val="accent1"/>
+          </a:effectRef>
+          <a:fontRef idx="minor">
+            <a:schemeClr val="tx1"/>
+          </a:fontRef>
+        </p:style>
+      </p:cxnSp>
+      <p:cxnSp>
+        <p:nvCxnSpPr>
+          <p:cNvPr id="11" name="Straight Arrow Connector 10">
+            <a:extLst>
+              <a:ext uri="{FF2B5EF4-FFF2-40B4-BE49-F238E27FC236}">
+                <a16:creationId xmlns:a16="http://schemas.microsoft.com/office/drawing/2014/main" id="{0B86A69B-DE6A-9050-F610-526E75DCF8C1}"/>
+              </a:ext>
+            </a:extLst>
+          </p:cNvPr>
+          <p:cNvCxnSpPr>
+            <a:cxnSpLocks/>
+            <a:stCxn id="8" idx="2"/>
+            <a:endCxn id="7" idx="0"/>
+          </p:cNvCxnSpPr>
+          <p:nvPr/>
+        </p:nvCxnSpPr>
+        <p:spPr>
+          <a:xfrm flipH="1">
+            <a:off x="1275180" y="3818151"/>
+            <a:ext cx="1" cy="127194"/>
+          </a:xfrm>
+          <a:prstGeom prst="straightConnector1">
+            <a:avLst/>
+          </a:prstGeom>
+          <a:ln>
+            <a:tailEnd type="triangle"/>
+          </a:ln>
+        </p:spPr>
+        <p:style>
+          <a:lnRef idx="2">
+            <a:schemeClr val="accent1"/>
+          </a:lnRef>
+          <a:fillRef idx="0">
+            <a:schemeClr val="accent1"/>
+          </a:fillRef>
+          <a:effectRef idx="1">
+            <a:schemeClr val="accent1"/>
+          </a:effectRef>
+          <a:fontRef idx="minor">
+            <a:schemeClr val="tx1"/>
+          </a:fontRef>
+        </p:style>
+      </p:cxnSp>
+      <p:sp>
+        <p:nvSpPr>
+          <p:cNvPr id="12" name="Rectangle 11">
+            <a:extLst>
+              <a:ext uri="{FF2B5EF4-FFF2-40B4-BE49-F238E27FC236}">
+                <a16:creationId xmlns:a16="http://schemas.microsoft.com/office/drawing/2014/main" id="{CF258483-B6B1-79EF-F528-5A66F926B83C}"/>
+              </a:ext>
+            </a:extLst>
+          </p:cNvPr>
+          <p:cNvSpPr/>
+          <p:nvPr/>
+        </p:nvSpPr>
+        <p:spPr>
+          <a:xfrm>
+            <a:off x="5359551" y="714553"/>
+            <a:ext cx="1693525" cy="363894"/>
+          </a:xfrm>
+          <a:prstGeom prst="rect">
+            <a:avLst/>
+          </a:prstGeom>
+          <a:noFill/>
+        </p:spPr>
+        <p:style>
+          <a:lnRef idx="2">
+            <a:schemeClr val="accent1">
+              <a:shade val="15000"/>
+            </a:schemeClr>
+          </a:lnRef>
+          <a:fillRef idx="1">
+            <a:schemeClr val="accent1"/>
+          </a:fillRef>
+          <a:effectRef idx="0">
+            <a:schemeClr val="accent1"/>
+          </a:effectRef>
+          <a:fontRef idx="minor">
+            <a:schemeClr val="lt1"/>
+          </a:fontRef>
+        </p:style>
+        <p:txBody>
+          <a:bodyPr rtlCol="0" anchor="ctr"/>
+          <a:lstStyle/>
+          <a:p>
+            <a:pPr algn="ctr"/>
+            <a:r>
+              <a:rPr lang="en-IN" sz="1050" dirty="0">
+                <a:solidFill>
+                  <a:schemeClr val="accent6"/>
+                </a:solidFill>
+              </a:rPr>
+              <a:t>Polar representation </a:t>
+            </a:r>
+            <a:r>
+              <a:rPr lang="en-IN" sz="1050" dirty="0">
+                <a:solidFill>
+                  <a:srgbClr val="FF0000"/>
+                </a:solidFill>
+              </a:rPr>
+              <a:t>(ET: 3 min) </a:t>
+            </a:r>
+            <a:r>
+              <a:rPr lang="en-IN" sz="1050" dirty="0">
+                <a:solidFill>
+                  <a:schemeClr val="accent5">
+                    <a:lumMod val="75000"/>
+                  </a:schemeClr>
+                </a:solidFill>
+              </a:rPr>
+              <a:t>(Profit: 3) 123</a:t>
+            </a:r>
+            <a:endParaRPr lang="en-IN" sz="1050" dirty="0">
+              <a:solidFill>
+                <a:schemeClr val="tx1"/>
+              </a:solidFill>
+            </a:endParaRPr>
+          </a:p>
+        </p:txBody>
+      </p:sp>
+      <p:sp>
+        <p:nvSpPr>
+          <p:cNvPr id="17" name="Rectangle 16">
+            <a:extLst>
+              <a:ext uri="{FF2B5EF4-FFF2-40B4-BE49-F238E27FC236}">
+                <a16:creationId xmlns:a16="http://schemas.microsoft.com/office/drawing/2014/main" id="{F29913B2-73E6-D49D-0AC2-8429B108D4E3}"/>
+              </a:ext>
+            </a:extLst>
+          </p:cNvPr>
+          <p:cNvSpPr/>
+          <p:nvPr/>
+        </p:nvSpPr>
+        <p:spPr>
+          <a:xfrm>
+            <a:off x="2478108" y="3312955"/>
+            <a:ext cx="1535650" cy="363894"/>
+          </a:xfrm>
+          <a:prstGeom prst="rect">
+            <a:avLst/>
+          </a:prstGeom>
+          <a:noFill/>
+        </p:spPr>
+        <p:style>
+          <a:lnRef idx="2">
+            <a:schemeClr val="accent1">
+              <a:shade val="15000"/>
+            </a:schemeClr>
+          </a:lnRef>
+          <a:fillRef idx="1">
+            <a:schemeClr val="accent1"/>
+          </a:fillRef>
+          <a:effectRef idx="0">
+            <a:schemeClr val="accent1"/>
+          </a:effectRef>
+          <a:fontRef idx="minor">
+            <a:schemeClr val="lt1"/>
+          </a:fontRef>
+        </p:style>
+        <p:txBody>
+          <a:bodyPr rtlCol="0" anchor="ctr"/>
+          <a:lstStyle/>
+          <a:p>
+            <a:pPr algn="ctr"/>
+            <a:r>
+              <a:rPr lang="en-IN" sz="1050" dirty="0">
+                <a:solidFill>
+                  <a:srgbClr val="00B050"/>
+                </a:solidFill>
+              </a:rPr>
+              <a:t>M1.1 quiz  </a:t>
+            </a:r>
+            <a:r>
+              <a:rPr lang="en-IN" sz="1050" dirty="0">
+                <a:solidFill>
+                  <a:srgbClr val="FF0000"/>
+                </a:solidFill>
+              </a:rPr>
+              <a:t>(ET: 2 min)</a:t>
+            </a:r>
+            <a:r>
+              <a:rPr lang="en-IN" sz="1050" dirty="0">
+                <a:solidFill>
+                  <a:schemeClr val="accent5">
+                    <a:lumMod val="75000"/>
+                  </a:schemeClr>
+                </a:solidFill>
+              </a:rPr>
+              <a:t> (Profit:5), 10</a:t>
+            </a:r>
+            <a:endParaRPr lang="en-IN" sz="1050" dirty="0">
+              <a:solidFill>
+                <a:schemeClr val="tx1"/>
+              </a:solidFill>
+            </a:endParaRPr>
+          </a:p>
+        </p:txBody>
+      </p:sp>
+      <p:sp>
+        <p:nvSpPr>
+          <p:cNvPr id="18" name="Rectangle 17">
+            <a:extLst>
+              <a:ext uri="{FF2B5EF4-FFF2-40B4-BE49-F238E27FC236}">
+                <a16:creationId xmlns:a16="http://schemas.microsoft.com/office/drawing/2014/main" id="{0AB19444-71D9-E847-0C54-EDB18BFA3B92}"/>
+              </a:ext>
+            </a:extLst>
+          </p:cNvPr>
+          <p:cNvSpPr/>
+          <p:nvPr/>
+        </p:nvSpPr>
+        <p:spPr>
+          <a:xfrm>
+            <a:off x="2431636" y="4436433"/>
+            <a:ext cx="1582122" cy="296786"/>
+          </a:xfrm>
+          <a:prstGeom prst="rect">
+            <a:avLst/>
+          </a:prstGeom>
+          <a:noFill/>
+        </p:spPr>
+        <p:style>
+          <a:lnRef idx="2">
+            <a:schemeClr val="accent1">
+              <a:shade val="15000"/>
+            </a:schemeClr>
+          </a:lnRef>
+          <a:fillRef idx="1">
+            <a:schemeClr val="accent1"/>
+          </a:fillRef>
+          <a:effectRef idx="0">
+            <a:schemeClr val="accent1"/>
+          </a:effectRef>
+          <a:fontRef idx="minor">
+            <a:schemeClr val="lt1"/>
+          </a:fontRef>
+        </p:style>
+        <p:txBody>
+          <a:bodyPr rtlCol="0" anchor="ctr"/>
+          <a:lstStyle/>
+          <a:p>
+            <a:pPr algn="ctr"/>
+            <a:r>
+              <a:rPr lang="en-IN" sz="1050" dirty="0">
+                <a:solidFill>
+                  <a:srgbClr val="00B050"/>
+                </a:solidFill>
+              </a:rPr>
+              <a:t>Background</a:t>
+            </a:r>
+            <a:r>
+              <a:rPr lang="en-IN" sz="1050" dirty="0">
+                <a:solidFill>
+                  <a:schemeClr val="tx1"/>
+                </a:solidFill>
+              </a:rPr>
+              <a:t> </a:t>
+            </a:r>
+            <a:r>
+              <a:rPr lang="en-IN" sz="1050" dirty="0">
+                <a:solidFill>
+                  <a:srgbClr val="FF0000"/>
+                </a:solidFill>
+              </a:rPr>
+              <a:t>(ET: 2 min) </a:t>
+            </a:r>
+            <a:r>
+              <a:rPr lang="en-IN" sz="1050" dirty="0">
+                <a:solidFill>
+                  <a:schemeClr val="accent5">
+                    <a:lumMod val="75000"/>
+                  </a:schemeClr>
+                </a:solidFill>
+              </a:rPr>
+              <a:t>(Profit:2)</a:t>
+            </a:r>
+            <a:endParaRPr lang="en-IN" sz="1050" dirty="0">
+              <a:solidFill>
+                <a:schemeClr val="tx1"/>
+              </a:solidFill>
+            </a:endParaRPr>
+          </a:p>
+        </p:txBody>
+      </p:sp>
+      <p:sp>
+        <p:nvSpPr>
+          <p:cNvPr id="19" name="Rectangle 18">
+            <a:extLst>
+              <a:ext uri="{FF2B5EF4-FFF2-40B4-BE49-F238E27FC236}">
+                <a16:creationId xmlns:a16="http://schemas.microsoft.com/office/drawing/2014/main" id="{337087C3-32AB-F6B8-606A-0BA0ACFEA7C8}"/>
+              </a:ext>
+            </a:extLst>
+          </p:cNvPr>
+          <p:cNvSpPr/>
+          <p:nvPr/>
+        </p:nvSpPr>
+        <p:spPr>
+          <a:xfrm>
+            <a:off x="2225703" y="3917484"/>
+            <a:ext cx="1993989" cy="391755"/>
+          </a:xfrm>
+          <a:prstGeom prst="rect">
+            <a:avLst/>
+          </a:prstGeom>
+          <a:noFill/>
+        </p:spPr>
+        <p:style>
+          <a:lnRef idx="2">
+            <a:schemeClr val="accent1">
+              <a:shade val="15000"/>
+            </a:schemeClr>
+          </a:lnRef>
+          <a:fillRef idx="1">
+            <a:schemeClr val="accent1"/>
+          </a:fillRef>
+          <a:effectRef idx="0">
+            <a:schemeClr val="accent1"/>
+          </a:effectRef>
+          <a:fontRef idx="minor">
+            <a:schemeClr val="lt1"/>
+          </a:fontRef>
+        </p:style>
+        <p:txBody>
+          <a:bodyPr rtlCol="0" anchor="ctr"/>
+          <a:lstStyle/>
+          <a:p>
+            <a:pPr algn="ctr"/>
+            <a:r>
+              <a:rPr lang="en-IN" sz="1050" dirty="0">
+                <a:solidFill>
+                  <a:srgbClr val="00B050"/>
+                </a:solidFill>
+              </a:rPr>
+              <a:t>Imaginary Numbers </a:t>
+            </a:r>
+            <a:r>
+              <a:rPr lang="en-IN" sz="1050" dirty="0">
+                <a:solidFill>
+                  <a:srgbClr val="FF0000"/>
+                </a:solidFill>
+              </a:rPr>
+              <a:t>(ET: 3 min) </a:t>
+            </a:r>
+            <a:r>
+              <a:rPr lang="en-IN" sz="1050" dirty="0">
+                <a:solidFill>
+                  <a:schemeClr val="accent5">
+                    <a:lumMod val="75000"/>
+                  </a:schemeClr>
+                </a:solidFill>
+              </a:rPr>
+              <a:t>(Profit:3), 5</a:t>
+            </a:r>
+            <a:endParaRPr lang="en-IN" sz="1050" dirty="0">
+              <a:solidFill>
+                <a:schemeClr val="tx1"/>
+              </a:solidFill>
+            </a:endParaRPr>
+          </a:p>
+        </p:txBody>
+      </p:sp>
+      <p:cxnSp>
+        <p:nvCxnSpPr>
+          <p:cNvPr id="20" name="Straight Arrow Connector 19">
+            <a:extLst>
+              <a:ext uri="{FF2B5EF4-FFF2-40B4-BE49-F238E27FC236}">
+                <a16:creationId xmlns:a16="http://schemas.microsoft.com/office/drawing/2014/main" id="{09DED2C0-3AD0-A3B6-6A3B-FC704733FF0B}"/>
+              </a:ext>
+            </a:extLst>
+          </p:cNvPr>
+          <p:cNvCxnSpPr>
+            <a:cxnSpLocks/>
+            <a:stCxn id="17" idx="2"/>
+            <a:endCxn id="19" idx="0"/>
+          </p:cNvCxnSpPr>
+          <p:nvPr/>
+        </p:nvCxnSpPr>
+        <p:spPr>
+          <a:xfrm flipH="1">
+            <a:off x="3222698" y="3676849"/>
+            <a:ext cx="23235" cy="240635"/>
+          </a:xfrm>
+          <a:prstGeom prst="straightConnector1">
+            <a:avLst/>
+          </a:prstGeom>
+          <a:ln>
+            <a:tailEnd type="triangle"/>
+          </a:ln>
+        </p:spPr>
+        <p:style>
+          <a:lnRef idx="2">
+            <a:schemeClr val="accent1"/>
+          </a:lnRef>
+          <a:fillRef idx="0">
+            <a:schemeClr val="accent1"/>
+          </a:fillRef>
+          <a:effectRef idx="1">
+            <a:schemeClr val="accent1"/>
+          </a:effectRef>
+          <a:fontRef idx="minor">
+            <a:schemeClr val="tx1"/>
+          </a:fontRef>
+        </p:style>
+      </p:cxnSp>
+      <p:cxnSp>
+        <p:nvCxnSpPr>
+          <p:cNvPr id="21" name="Straight Arrow Connector 20">
+            <a:extLst>
+              <a:ext uri="{FF2B5EF4-FFF2-40B4-BE49-F238E27FC236}">
+                <a16:creationId xmlns:a16="http://schemas.microsoft.com/office/drawing/2014/main" id="{62C7E3BB-E708-7EB4-F25E-974022EACE39}"/>
+              </a:ext>
+            </a:extLst>
+          </p:cNvPr>
+          <p:cNvCxnSpPr>
+            <a:cxnSpLocks/>
+            <a:stCxn id="19" idx="2"/>
+            <a:endCxn id="18" idx="0"/>
+          </p:cNvCxnSpPr>
+          <p:nvPr/>
+        </p:nvCxnSpPr>
+        <p:spPr>
+          <a:xfrm flipH="1">
+            <a:off x="3222697" y="4309239"/>
+            <a:ext cx="1" cy="127194"/>
+          </a:xfrm>
+          <a:prstGeom prst="straightConnector1">
+            <a:avLst/>
+          </a:prstGeom>
+          <a:ln>
+            <a:tailEnd type="triangle"/>
+          </a:ln>
+        </p:spPr>
+        <p:style>
+          <a:lnRef idx="2">
+            <a:schemeClr val="accent1"/>
+          </a:lnRef>
+          <a:fillRef idx="0">
+            <a:schemeClr val="accent1"/>
+          </a:fillRef>
+          <a:effectRef idx="1">
+            <a:schemeClr val="accent1"/>
+          </a:effectRef>
+          <a:fontRef idx="minor">
+            <a:schemeClr val="tx1"/>
+          </a:fontRef>
+        </p:style>
+      </p:cxnSp>
+      <p:sp>
+        <p:nvSpPr>
+          <p:cNvPr id="22" name="Rectangle 21">
+            <a:extLst>
+              <a:ext uri="{FF2B5EF4-FFF2-40B4-BE49-F238E27FC236}">
+                <a16:creationId xmlns:a16="http://schemas.microsoft.com/office/drawing/2014/main" id="{972A7605-C669-14B5-48F6-EF3F812818AB}"/>
+              </a:ext>
+            </a:extLst>
+          </p:cNvPr>
+          <p:cNvSpPr/>
+          <p:nvPr/>
+        </p:nvSpPr>
+        <p:spPr>
+          <a:xfrm>
+            <a:off x="4656584" y="3463158"/>
+            <a:ext cx="1535650" cy="363894"/>
+          </a:xfrm>
+          <a:prstGeom prst="rect">
+            <a:avLst/>
+          </a:prstGeom>
+          <a:noFill/>
+        </p:spPr>
+        <p:style>
+          <a:lnRef idx="2">
+            <a:schemeClr val="accent1">
+              <a:shade val="15000"/>
+            </a:schemeClr>
+          </a:lnRef>
+          <a:fillRef idx="1">
+            <a:schemeClr val="accent1"/>
+          </a:fillRef>
+          <a:effectRef idx="0">
+            <a:schemeClr val="accent1"/>
+          </a:effectRef>
+          <a:fontRef idx="minor">
+            <a:schemeClr val="lt1"/>
+          </a:fontRef>
+        </p:style>
+        <p:txBody>
+          <a:bodyPr rtlCol="0" anchor="ctr"/>
+          <a:lstStyle/>
+          <a:p>
+            <a:pPr algn="ctr"/>
+            <a:r>
+              <a:rPr lang="en-IN" sz="1050" dirty="0">
+                <a:solidFill>
+                  <a:srgbClr val="00B050"/>
+                </a:solidFill>
+              </a:rPr>
+              <a:t>M1.1 quiz interactive</a:t>
+            </a:r>
+            <a:r>
+              <a:rPr lang="en-IN" sz="1050" dirty="0">
+                <a:solidFill>
+                  <a:srgbClr val="FF0000"/>
+                </a:solidFill>
+              </a:rPr>
+              <a:t>(ET: 2 min)</a:t>
+            </a:r>
+            <a:r>
+              <a:rPr lang="en-IN" sz="1050" dirty="0">
+                <a:solidFill>
+                  <a:schemeClr val="accent5">
+                    <a:lumMod val="75000"/>
+                  </a:schemeClr>
+                </a:solidFill>
+              </a:rPr>
+              <a:t> (Profit: 10), 15</a:t>
+            </a:r>
+            <a:endParaRPr lang="en-IN" sz="1050" dirty="0">
+              <a:solidFill>
+                <a:schemeClr val="tx1"/>
+              </a:solidFill>
+            </a:endParaRPr>
+          </a:p>
+        </p:txBody>
+      </p:sp>
+      <p:sp>
+        <p:nvSpPr>
+          <p:cNvPr id="23" name="Rectangle 22">
+            <a:extLst>
+              <a:ext uri="{FF2B5EF4-FFF2-40B4-BE49-F238E27FC236}">
+                <a16:creationId xmlns:a16="http://schemas.microsoft.com/office/drawing/2014/main" id="{D1EC8FAF-0F01-85CB-ADBB-4377F1564518}"/>
+              </a:ext>
+            </a:extLst>
+          </p:cNvPr>
+          <p:cNvSpPr/>
+          <p:nvPr/>
+        </p:nvSpPr>
+        <p:spPr>
+          <a:xfrm>
+            <a:off x="4610112" y="4586636"/>
+            <a:ext cx="1582122" cy="296786"/>
+          </a:xfrm>
+          <a:prstGeom prst="rect">
+            <a:avLst/>
+          </a:prstGeom>
+          <a:noFill/>
+        </p:spPr>
+        <p:style>
+          <a:lnRef idx="2">
+            <a:schemeClr val="accent1">
+              <a:shade val="15000"/>
+            </a:schemeClr>
+          </a:lnRef>
+          <a:fillRef idx="1">
+            <a:schemeClr val="accent1"/>
+          </a:fillRef>
+          <a:effectRef idx="0">
+            <a:schemeClr val="accent1"/>
+          </a:effectRef>
+          <a:fontRef idx="minor">
+            <a:schemeClr val="lt1"/>
+          </a:fontRef>
+        </p:style>
+        <p:txBody>
+          <a:bodyPr rtlCol="0" anchor="ctr"/>
+          <a:lstStyle/>
+          <a:p>
+            <a:pPr algn="ctr"/>
+            <a:r>
+              <a:rPr lang="en-IN" sz="1050" dirty="0">
+                <a:solidFill>
+                  <a:srgbClr val="00B050"/>
+                </a:solidFill>
+              </a:rPr>
+              <a:t>Background</a:t>
+            </a:r>
+            <a:r>
+              <a:rPr lang="en-IN" sz="1050" dirty="0">
+                <a:solidFill>
+                  <a:schemeClr val="tx1"/>
+                </a:solidFill>
+              </a:rPr>
+              <a:t> </a:t>
+            </a:r>
+            <a:r>
+              <a:rPr lang="en-IN" sz="1050" dirty="0">
+                <a:solidFill>
+                  <a:srgbClr val="FF0000"/>
+                </a:solidFill>
+              </a:rPr>
+              <a:t>(ET: 2 min) </a:t>
+            </a:r>
+            <a:r>
+              <a:rPr lang="en-IN" sz="1050" dirty="0">
+                <a:solidFill>
+                  <a:schemeClr val="accent5">
+                    <a:lumMod val="75000"/>
+                  </a:schemeClr>
+                </a:solidFill>
+              </a:rPr>
+              <a:t>(Profit:2)</a:t>
+            </a:r>
+            <a:endParaRPr lang="en-IN" sz="1050" dirty="0">
+              <a:solidFill>
+                <a:schemeClr val="tx1"/>
+              </a:solidFill>
+            </a:endParaRPr>
+          </a:p>
+        </p:txBody>
+      </p:sp>
+      <p:sp>
+        <p:nvSpPr>
+          <p:cNvPr id="24" name="Rectangle 23">
+            <a:extLst>
+              <a:ext uri="{FF2B5EF4-FFF2-40B4-BE49-F238E27FC236}">
+                <a16:creationId xmlns:a16="http://schemas.microsoft.com/office/drawing/2014/main" id="{0D6E0725-327A-DD44-F2A6-15650061E71D}"/>
+              </a:ext>
+            </a:extLst>
+          </p:cNvPr>
+          <p:cNvSpPr/>
+          <p:nvPr/>
+        </p:nvSpPr>
+        <p:spPr>
+          <a:xfrm>
+            <a:off x="4404179" y="4067687"/>
+            <a:ext cx="1993989" cy="391755"/>
+          </a:xfrm>
+          <a:prstGeom prst="rect">
+            <a:avLst/>
+          </a:prstGeom>
+          <a:noFill/>
+        </p:spPr>
+        <p:style>
+          <a:lnRef idx="2">
+            <a:schemeClr val="accent1">
+              <a:shade val="15000"/>
+            </a:schemeClr>
+          </a:lnRef>
+          <a:fillRef idx="1">
+            <a:schemeClr val="accent1"/>
+          </a:fillRef>
+          <a:effectRef idx="0">
+            <a:schemeClr val="accent1"/>
+          </a:effectRef>
+          <a:fontRef idx="minor">
+            <a:schemeClr val="lt1"/>
+          </a:fontRef>
+        </p:style>
+        <p:txBody>
+          <a:bodyPr rtlCol="0" anchor="ctr"/>
+          <a:lstStyle/>
+          <a:p>
+            <a:pPr algn="ctr"/>
+            <a:r>
+              <a:rPr lang="en-IN" sz="1050" dirty="0">
+                <a:solidFill>
+                  <a:srgbClr val="00B050"/>
+                </a:solidFill>
+              </a:rPr>
+              <a:t>Imaginary Numbers </a:t>
+            </a:r>
+            <a:r>
+              <a:rPr lang="en-IN" sz="1050" dirty="0">
+                <a:solidFill>
+                  <a:srgbClr val="FF0000"/>
+                </a:solidFill>
+              </a:rPr>
+              <a:t>(ET: 3 min) </a:t>
+            </a:r>
+            <a:r>
+              <a:rPr lang="en-IN" sz="1050" dirty="0">
+                <a:solidFill>
+                  <a:schemeClr val="accent5">
+                    <a:lumMod val="75000"/>
+                  </a:schemeClr>
+                </a:solidFill>
+              </a:rPr>
+              <a:t>(Profit:3), 5</a:t>
+            </a:r>
+            <a:endParaRPr lang="en-IN" sz="1050" dirty="0">
+              <a:solidFill>
+                <a:schemeClr val="tx1"/>
+              </a:solidFill>
+            </a:endParaRPr>
+          </a:p>
+        </p:txBody>
+      </p:sp>
+      <p:cxnSp>
+        <p:nvCxnSpPr>
+          <p:cNvPr id="25" name="Straight Arrow Connector 24">
+            <a:extLst>
+              <a:ext uri="{FF2B5EF4-FFF2-40B4-BE49-F238E27FC236}">
+                <a16:creationId xmlns:a16="http://schemas.microsoft.com/office/drawing/2014/main" id="{4242F10E-4ADC-546B-E275-660AF2BBCDAD}"/>
+              </a:ext>
+            </a:extLst>
+          </p:cNvPr>
+          <p:cNvCxnSpPr>
+            <a:cxnSpLocks/>
+            <a:stCxn id="22" idx="2"/>
+            <a:endCxn id="24" idx="0"/>
+          </p:cNvCxnSpPr>
+          <p:nvPr/>
+        </p:nvCxnSpPr>
+        <p:spPr>
+          <a:xfrm flipH="1">
+            <a:off x="5401174" y="3827052"/>
+            <a:ext cx="23235" cy="240635"/>
+          </a:xfrm>
+          <a:prstGeom prst="straightConnector1">
+            <a:avLst/>
+          </a:prstGeom>
+          <a:ln>
+            <a:tailEnd type="triangle"/>
+          </a:ln>
+        </p:spPr>
+        <p:style>
+          <a:lnRef idx="2">
+            <a:schemeClr val="accent1"/>
+          </a:lnRef>
+          <a:fillRef idx="0">
+            <a:schemeClr val="accent1"/>
+          </a:fillRef>
+          <a:effectRef idx="1">
+            <a:schemeClr val="accent1"/>
+          </a:effectRef>
+          <a:fontRef idx="minor">
+            <a:schemeClr val="tx1"/>
+          </a:fontRef>
+        </p:style>
+      </p:cxnSp>
+      <p:cxnSp>
+        <p:nvCxnSpPr>
+          <p:cNvPr id="26" name="Straight Arrow Connector 25">
+            <a:extLst>
+              <a:ext uri="{FF2B5EF4-FFF2-40B4-BE49-F238E27FC236}">
+                <a16:creationId xmlns:a16="http://schemas.microsoft.com/office/drawing/2014/main" id="{88D7AB29-42A6-9032-ECA3-1165B53652A4}"/>
+              </a:ext>
+            </a:extLst>
+          </p:cNvPr>
+          <p:cNvCxnSpPr>
+            <a:cxnSpLocks/>
+            <a:stCxn id="24" idx="2"/>
+            <a:endCxn id="23" idx="0"/>
+          </p:cNvCxnSpPr>
+          <p:nvPr/>
+        </p:nvCxnSpPr>
+        <p:spPr>
+          <a:xfrm flipH="1">
+            <a:off x="5401173" y="4459442"/>
+            <a:ext cx="1" cy="127194"/>
+          </a:xfrm>
+          <a:prstGeom prst="straightConnector1">
+            <a:avLst/>
+          </a:prstGeom>
+          <a:ln>
+            <a:tailEnd type="triangle"/>
+          </a:ln>
+        </p:spPr>
+        <p:style>
+          <a:lnRef idx="2">
+            <a:schemeClr val="accent1"/>
+          </a:lnRef>
+          <a:fillRef idx="0">
+            <a:schemeClr val="accent1"/>
+          </a:fillRef>
+          <a:effectRef idx="1">
+            <a:schemeClr val="accent1"/>
+          </a:effectRef>
+          <a:fontRef idx="minor">
+            <a:schemeClr val="tx1"/>
+          </a:fontRef>
+        </p:style>
+      </p:cxnSp>
+      <p:sp>
+        <p:nvSpPr>
+          <p:cNvPr id="38" name="Rectangle 37">
+            <a:extLst>
+              <a:ext uri="{FF2B5EF4-FFF2-40B4-BE49-F238E27FC236}">
+                <a16:creationId xmlns:a16="http://schemas.microsoft.com/office/drawing/2014/main" id="{3F858F3D-8490-8F7F-ECF9-33FECF34218F}"/>
+              </a:ext>
+            </a:extLst>
+          </p:cNvPr>
+          <p:cNvSpPr/>
+          <p:nvPr/>
+        </p:nvSpPr>
+        <p:spPr>
+          <a:xfrm>
+            <a:off x="4894644" y="1715634"/>
+            <a:ext cx="1582122" cy="296786"/>
+          </a:xfrm>
+          <a:prstGeom prst="rect">
+            <a:avLst/>
+          </a:prstGeom>
+          <a:noFill/>
+        </p:spPr>
+        <p:style>
+          <a:lnRef idx="2">
+            <a:schemeClr val="accent1">
+              <a:shade val="15000"/>
+            </a:schemeClr>
+          </a:lnRef>
+          <a:fillRef idx="1">
+            <a:schemeClr val="accent1"/>
+          </a:fillRef>
+          <a:effectRef idx="0">
+            <a:schemeClr val="accent1"/>
+          </a:effectRef>
+          <a:fontRef idx="minor">
+            <a:schemeClr val="lt1"/>
+          </a:fontRef>
+        </p:style>
+        <p:txBody>
+          <a:bodyPr rtlCol="0" anchor="ctr"/>
+          <a:lstStyle/>
+          <a:p>
+            <a:pPr algn="ctr"/>
+            <a:r>
+              <a:rPr lang="en-IN" sz="1050" dirty="0">
+                <a:solidFill>
+                  <a:srgbClr val="00B050"/>
+                </a:solidFill>
+              </a:rPr>
+              <a:t>M1.2 quiz</a:t>
+            </a:r>
+            <a:r>
+              <a:rPr lang="en-IN" sz="1050" dirty="0">
+                <a:solidFill>
+                  <a:schemeClr val="tx1"/>
+                </a:solidFill>
+              </a:rPr>
+              <a:t> </a:t>
+            </a:r>
+            <a:r>
+              <a:rPr lang="en-IN" sz="1050" dirty="0">
+                <a:solidFill>
+                  <a:srgbClr val="FF0000"/>
+                </a:solidFill>
+              </a:rPr>
+              <a:t>(ET: 2 min) </a:t>
+            </a:r>
+            <a:r>
+              <a:rPr lang="en-IN" sz="1050" dirty="0">
+                <a:solidFill>
+                  <a:schemeClr val="accent5">
+                    <a:lumMod val="75000"/>
+                  </a:schemeClr>
+                </a:solidFill>
+              </a:rPr>
+              <a:t>(Profit:5) 40</a:t>
+            </a:r>
+            <a:endParaRPr lang="en-IN" sz="1050" dirty="0">
+              <a:solidFill>
+                <a:schemeClr val="tx1"/>
+              </a:solidFill>
+            </a:endParaRPr>
+          </a:p>
+        </p:txBody>
+      </p:sp>
+      <p:sp>
+        <p:nvSpPr>
+          <p:cNvPr id="39" name="Rectangle 38">
+            <a:extLst>
+              <a:ext uri="{FF2B5EF4-FFF2-40B4-BE49-F238E27FC236}">
+                <a16:creationId xmlns:a16="http://schemas.microsoft.com/office/drawing/2014/main" id="{096012B9-EA17-6417-A527-D5C70DD25384}"/>
+              </a:ext>
+            </a:extLst>
+          </p:cNvPr>
+          <p:cNvSpPr/>
+          <p:nvPr/>
+        </p:nvSpPr>
+        <p:spPr>
+          <a:xfrm>
+            <a:off x="7538842" y="1691682"/>
+            <a:ext cx="1582122" cy="296786"/>
+          </a:xfrm>
+          <a:prstGeom prst="rect">
+            <a:avLst/>
+          </a:prstGeom>
+          <a:noFill/>
+        </p:spPr>
+        <p:style>
+          <a:lnRef idx="2">
+            <a:schemeClr val="accent1">
+              <a:shade val="15000"/>
+            </a:schemeClr>
+          </a:lnRef>
+          <a:fillRef idx="1">
+            <a:schemeClr val="accent1"/>
+          </a:fillRef>
+          <a:effectRef idx="0">
+            <a:schemeClr val="accent1"/>
+          </a:effectRef>
+          <a:fontRef idx="minor">
+            <a:schemeClr val="lt1"/>
+          </a:fontRef>
+        </p:style>
+        <p:txBody>
+          <a:bodyPr rtlCol="0" anchor="ctr"/>
+          <a:lstStyle/>
+          <a:p>
+            <a:pPr algn="ctr"/>
+            <a:r>
+              <a:rPr lang="en-IN" sz="1050" dirty="0">
+                <a:solidFill>
+                  <a:schemeClr val="tx1"/>
+                </a:solidFill>
+              </a:rPr>
+              <a:t>M1.2 quiz interactive </a:t>
+            </a:r>
+            <a:r>
+              <a:rPr lang="en-IN" sz="1050" dirty="0">
+                <a:solidFill>
+                  <a:srgbClr val="FF0000"/>
+                </a:solidFill>
+              </a:rPr>
+              <a:t>(ET: 2 min) </a:t>
+            </a:r>
+            <a:r>
+              <a:rPr lang="en-IN" sz="1050" dirty="0">
+                <a:solidFill>
+                  <a:schemeClr val="accent5">
+                    <a:lumMod val="75000"/>
+                  </a:schemeClr>
+                </a:solidFill>
+              </a:rPr>
+              <a:t>(Profit:10) 45</a:t>
+            </a:r>
+            <a:endParaRPr lang="en-IN" sz="1050" dirty="0">
+              <a:solidFill>
+                <a:schemeClr val="tx1"/>
+              </a:solidFill>
+            </a:endParaRPr>
+          </a:p>
+        </p:txBody>
+      </p:sp>
+      <p:cxnSp>
+        <p:nvCxnSpPr>
+          <p:cNvPr id="44" name="Straight Arrow Connector 43">
+            <a:extLst>
+              <a:ext uri="{FF2B5EF4-FFF2-40B4-BE49-F238E27FC236}">
+                <a16:creationId xmlns:a16="http://schemas.microsoft.com/office/drawing/2014/main" id="{D6DE1974-20CB-A2FE-A232-F5C146CA9141}"/>
+              </a:ext>
+            </a:extLst>
+          </p:cNvPr>
+          <p:cNvCxnSpPr>
+            <a:cxnSpLocks/>
+            <a:stCxn id="6" idx="2"/>
+            <a:endCxn id="17" idx="0"/>
+          </p:cNvCxnSpPr>
+          <p:nvPr/>
+        </p:nvCxnSpPr>
+        <p:spPr>
+          <a:xfrm>
+            <a:off x="2043005" y="2783650"/>
+            <a:ext cx="1202928" cy="529305"/>
+          </a:xfrm>
+          <a:prstGeom prst="straightConnector1">
+            <a:avLst/>
+          </a:prstGeom>
+          <a:ln>
+            <a:tailEnd type="triangle"/>
+          </a:ln>
+        </p:spPr>
+        <p:style>
+          <a:lnRef idx="2">
+            <a:schemeClr val="accent1"/>
+          </a:lnRef>
+          <a:fillRef idx="0">
+            <a:schemeClr val="accent1"/>
+          </a:fillRef>
+          <a:effectRef idx="1">
+            <a:schemeClr val="accent1"/>
+          </a:effectRef>
+          <a:fontRef idx="minor">
+            <a:schemeClr val="tx1"/>
+          </a:fontRef>
+        </p:style>
+      </p:cxnSp>
+      <p:cxnSp>
+        <p:nvCxnSpPr>
+          <p:cNvPr id="47" name="Straight Arrow Connector 46">
+            <a:extLst>
+              <a:ext uri="{FF2B5EF4-FFF2-40B4-BE49-F238E27FC236}">
+                <a16:creationId xmlns:a16="http://schemas.microsoft.com/office/drawing/2014/main" id="{0BAD246E-CF12-DF27-3729-9744A0343BDF}"/>
+              </a:ext>
+            </a:extLst>
+          </p:cNvPr>
+          <p:cNvCxnSpPr>
+            <a:cxnSpLocks/>
+            <a:stCxn id="6" idx="2"/>
+            <a:endCxn id="22" idx="0"/>
+          </p:cNvCxnSpPr>
+          <p:nvPr/>
+        </p:nvCxnSpPr>
+        <p:spPr>
+          <a:xfrm>
+            <a:off x="2043005" y="2783650"/>
+            <a:ext cx="3381404" cy="679508"/>
+          </a:xfrm>
+          <a:prstGeom prst="straightConnector1">
+            <a:avLst/>
+          </a:prstGeom>
+          <a:ln>
+            <a:tailEnd type="triangle"/>
+          </a:ln>
+        </p:spPr>
+        <p:style>
+          <a:lnRef idx="2">
+            <a:schemeClr val="accent1"/>
+          </a:lnRef>
+          <a:fillRef idx="0">
+            <a:schemeClr val="accent1"/>
+          </a:fillRef>
+          <a:effectRef idx="1">
+            <a:schemeClr val="accent1"/>
+          </a:effectRef>
+          <a:fontRef idx="minor">
+            <a:schemeClr val="tx1"/>
+          </a:fontRef>
+        </p:style>
+      </p:cxnSp>
+      <p:cxnSp>
+        <p:nvCxnSpPr>
+          <p:cNvPr id="50" name="Straight Arrow Connector 49">
+            <a:extLst>
+              <a:ext uri="{FF2B5EF4-FFF2-40B4-BE49-F238E27FC236}">
+                <a16:creationId xmlns:a16="http://schemas.microsoft.com/office/drawing/2014/main" id="{1FCD709C-97CC-45D2-849D-1B852EF25A46}"/>
+              </a:ext>
+            </a:extLst>
+          </p:cNvPr>
+          <p:cNvCxnSpPr>
+            <a:cxnSpLocks/>
+            <a:stCxn id="12" idx="2"/>
+            <a:endCxn id="38" idx="0"/>
+          </p:cNvCxnSpPr>
+          <p:nvPr/>
+        </p:nvCxnSpPr>
+        <p:spPr>
+          <a:xfrm flipH="1">
+            <a:off x="5685705" y="1078447"/>
+            <a:ext cx="520609" cy="637187"/>
+          </a:xfrm>
+          <a:prstGeom prst="straightConnector1">
+            <a:avLst/>
+          </a:prstGeom>
+          <a:ln>
+            <a:tailEnd type="triangle"/>
+          </a:ln>
+        </p:spPr>
+        <p:style>
+          <a:lnRef idx="2">
+            <a:schemeClr val="accent1"/>
+          </a:lnRef>
+          <a:fillRef idx="0">
+            <a:schemeClr val="accent1"/>
+          </a:fillRef>
+          <a:effectRef idx="1">
+            <a:schemeClr val="accent1"/>
+          </a:effectRef>
+          <a:fontRef idx="minor">
+            <a:schemeClr val="tx1"/>
+          </a:fontRef>
+        </p:style>
+      </p:cxnSp>
+      <p:cxnSp>
+        <p:nvCxnSpPr>
+          <p:cNvPr id="54" name="Straight Arrow Connector 53">
+            <a:extLst>
+              <a:ext uri="{FF2B5EF4-FFF2-40B4-BE49-F238E27FC236}">
+                <a16:creationId xmlns:a16="http://schemas.microsoft.com/office/drawing/2014/main" id="{4BB36ED1-E7E6-F7BF-AAD1-7D549C69DEC9}"/>
+              </a:ext>
+            </a:extLst>
+          </p:cNvPr>
+          <p:cNvCxnSpPr>
+            <a:cxnSpLocks/>
+            <a:stCxn id="12" idx="2"/>
+            <a:endCxn id="39" idx="0"/>
+          </p:cNvCxnSpPr>
+          <p:nvPr/>
+        </p:nvCxnSpPr>
+        <p:spPr>
+          <a:xfrm>
+            <a:off x="6206314" y="1078447"/>
+            <a:ext cx="2123589" cy="613235"/>
+          </a:xfrm>
+          <a:prstGeom prst="straightConnector1">
+            <a:avLst/>
+          </a:prstGeom>
+          <a:ln>
+            <a:tailEnd type="triangle"/>
+          </a:ln>
+        </p:spPr>
+        <p:style>
+          <a:lnRef idx="2">
+            <a:schemeClr val="accent1"/>
+          </a:lnRef>
+          <a:fillRef idx="0">
+            <a:schemeClr val="accent1"/>
+          </a:fillRef>
+          <a:effectRef idx="1">
+            <a:schemeClr val="accent1"/>
+          </a:effectRef>
+          <a:fontRef idx="minor">
+            <a:schemeClr val="tx1"/>
+          </a:fontRef>
+        </p:style>
+      </p:cxnSp>
+      <p:sp>
+        <p:nvSpPr>
+          <p:cNvPr id="57" name="Rectangle 56">
+            <a:extLst>
+              <a:ext uri="{FF2B5EF4-FFF2-40B4-BE49-F238E27FC236}">
+                <a16:creationId xmlns:a16="http://schemas.microsoft.com/office/drawing/2014/main" id="{DD01D18C-5897-D7A6-15AD-9007377419AF}"/>
+              </a:ext>
+            </a:extLst>
+          </p:cNvPr>
+          <p:cNvSpPr/>
+          <p:nvPr/>
+        </p:nvSpPr>
+        <p:spPr>
+          <a:xfrm>
+            <a:off x="5010752" y="2296211"/>
+            <a:ext cx="1411889" cy="503270"/>
+          </a:xfrm>
+          <a:prstGeom prst="rect">
+            <a:avLst/>
+          </a:prstGeom>
+          <a:noFill/>
+        </p:spPr>
+        <p:style>
+          <a:lnRef idx="2">
+            <a:schemeClr val="accent1">
+              <a:shade val="15000"/>
+            </a:schemeClr>
+          </a:lnRef>
+          <a:fillRef idx="1">
+            <a:schemeClr val="accent1"/>
+          </a:fillRef>
+          <a:effectRef idx="0">
+            <a:schemeClr val="accent1"/>
+          </a:effectRef>
+          <a:fontRef idx="minor">
+            <a:schemeClr val="lt1"/>
+          </a:fontRef>
+        </p:style>
+        <p:txBody>
+          <a:bodyPr rtlCol="0" anchor="ctr"/>
+          <a:lstStyle/>
+          <a:p>
+            <a:pPr algn="ctr"/>
+            <a:r>
+              <a:rPr lang="en-IN" sz="1050" dirty="0">
+                <a:solidFill>
+                  <a:schemeClr val="accent6"/>
+                </a:solidFill>
+              </a:rPr>
+              <a:t>Modulus Conjugation </a:t>
+            </a:r>
+            <a:r>
+              <a:rPr lang="en-IN" sz="1050" dirty="0">
+                <a:solidFill>
+                  <a:srgbClr val="FF0000"/>
+                </a:solidFill>
+              </a:rPr>
+              <a:t>(ET: 4 min) </a:t>
+            </a:r>
+            <a:r>
+              <a:rPr lang="en-IN" sz="1050" dirty="0">
+                <a:solidFill>
+                  <a:schemeClr val="accent5">
+                    <a:lumMod val="75000"/>
+                  </a:schemeClr>
+                </a:solidFill>
+              </a:rPr>
+              <a:t>(Profit: 3), 35</a:t>
+            </a:r>
+            <a:endParaRPr lang="en-IN" sz="1050" dirty="0">
+              <a:solidFill>
+                <a:schemeClr val="tx1"/>
+              </a:solidFill>
+            </a:endParaRPr>
+          </a:p>
+        </p:txBody>
+      </p:sp>
+      <p:sp>
+        <p:nvSpPr>
+          <p:cNvPr id="58" name="Rectangle 57">
+            <a:extLst>
+              <a:ext uri="{FF2B5EF4-FFF2-40B4-BE49-F238E27FC236}">
+                <a16:creationId xmlns:a16="http://schemas.microsoft.com/office/drawing/2014/main" id="{6BFEF7AE-6C47-AB23-F120-2112293F4905}"/>
+              </a:ext>
+            </a:extLst>
+          </p:cNvPr>
+          <p:cNvSpPr/>
+          <p:nvPr/>
+        </p:nvSpPr>
+        <p:spPr>
+          <a:xfrm>
+            <a:off x="7696836" y="2419756"/>
+            <a:ext cx="1411889" cy="503270"/>
+          </a:xfrm>
+          <a:prstGeom prst="rect">
+            <a:avLst/>
+          </a:prstGeom>
+          <a:noFill/>
+        </p:spPr>
+        <p:style>
+          <a:lnRef idx="2">
+            <a:schemeClr val="accent1">
+              <a:shade val="15000"/>
+            </a:schemeClr>
+          </a:lnRef>
+          <a:fillRef idx="1">
+            <a:schemeClr val="accent1"/>
+          </a:fillRef>
+          <a:effectRef idx="0">
+            <a:schemeClr val="accent1"/>
+          </a:effectRef>
+          <a:fontRef idx="minor">
+            <a:schemeClr val="lt1"/>
+          </a:fontRef>
+        </p:style>
+        <p:txBody>
+          <a:bodyPr rtlCol="0" anchor="ctr"/>
+          <a:lstStyle/>
+          <a:p>
+            <a:pPr algn="ctr"/>
+            <a:r>
+              <a:rPr lang="en-IN" sz="1050" dirty="0">
+                <a:solidFill>
+                  <a:schemeClr val="accent6"/>
+                </a:solidFill>
+              </a:rPr>
+              <a:t>Modulus Conjugation </a:t>
+            </a:r>
+            <a:r>
+              <a:rPr lang="en-IN" sz="1050" dirty="0">
+                <a:solidFill>
+                  <a:srgbClr val="FF0000"/>
+                </a:solidFill>
+              </a:rPr>
+              <a:t>(ET: 4 min) </a:t>
+            </a:r>
+            <a:r>
+              <a:rPr lang="en-IN" sz="1050" dirty="0">
+                <a:solidFill>
+                  <a:schemeClr val="accent5">
+                    <a:lumMod val="75000"/>
+                  </a:schemeClr>
+                </a:solidFill>
+              </a:rPr>
+              <a:t>(Profit: 3), 35</a:t>
+            </a:r>
+            <a:endParaRPr lang="en-IN" sz="1050" dirty="0">
+              <a:solidFill>
+                <a:schemeClr val="tx1"/>
+              </a:solidFill>
+            </a:endParaRPr>
+          </a:p>
+        </p:txBody>
+      </p:sp>
+      <p:cxnSp>
+        <p:nvCxnSpPr>
+          <p:cNvPr id="59" name="Straight Arrow Connector 58">
+            <a:extLst>
+              <a:ext uri="{FF2B5EF4-FFF2-40B4-BE49-F238E27FC236}">
+                <a16:creationId xmlns:a16="http://schemas.microsoft.com/office/drawing/2014/main" id="{062CE6F8-C9C6-D9BA-EA11-A2E9F37DD99C}"/>
+              </a:ext>
+            </a:extLst>
+          </p:cNvPr>
+          <p:cNvCxnSpPr>
+            <a:cxnSpLocks/>
+            <a:stCxn id="38" idx="2"/>
+            <a:endCxn id="57" idx="0"/>
+          </p:cNvCxnSpPr>
+          <p:nvPr/>
+        </p:nvCxnSpPr>
+        <p:spPr>
+          <a:xfrm>
+            <a:off x="5685705" y="2012420"/>
+            <a:ext cx="30992" cy="283791"/>
+          </a:xfrm>
+          <a:prstGeom prst="straightConnector1">
+            <a:avLst/>
+          </a:prstGeom>
+          <a:ln>
+            <a:tailEnd type="triangle"/>
+          </a:ln>
+        </p:spPr>
+        <p:style>
+          <a:lnRef idx="2">
+            <a:schemeClr val="accent1"/>
+          </a:lnRef>
+          <a:fillRef idx="0">
+            <a:schemeClr val="accent1"/>
+          </a:fillRef>
+          <a:effectRef idx="1">
+            <a:schemeClr val="accent1"/>
+          </a:effectRef>
+          <a:fontRef idx="minor">
+            <a:schemeClr val="tx1"/>
+          </a:fontRef>
+        </p:style>
+      </p:cxnSp>
+      <p:cxnSp>
+        <p:nvCxnSpPr>
+          <p:cNvPr id="62" name="Straight Arrow Connector 61">
+            <a:extLst>
+              <a:ext uri="{FF2B5EF4-FFF2-40B4-BE49-F238E27FC236}">
+                <a16:creationId xmlns:a16="http://schemas.microsoft.com/office/drawing/2014/main" id="{8BD4B91F-2342-A82A-F751-54A85EE4EDA1}"/>
+              </a:ext>
+            </a:extLst>
+          </p:cNvPr>
+          <p:cNvCxnSpPr>
+            <a:cxnSpLocks/>
+            <a:stCxn id="39" idx="2"/>
+            <a:endCxn id="58" idx="0"/>
+          </p:cNvCxnSpPr>
+          <p:nvPr/>
+        </p:nvCxnSpPr>
+        <p:spPr>
+          <a:xfrm>
+            <a:off x="8329903" y="1988468"/>
+            <a:ext cx="72878" cy="431288"/>
+          </a:xfrm>
+          <a:prstGeom prst="straightConnector1">
+            <a:avLst/>
+          </a:prstGeom>
+          <a:ln>
+            <a:tailEnd type="triangle"/>
+          </a:ln>
+        </p:spPr>
+        <p:style>
+          <a:lnRef idx="2">
+            <a:schemeClr val="accent1"/>
+          </a:lnRef>
+          <a:fillRef idx="0">
+            <a:schemeClr val="accent1"/>
+          </a:fillRef>
+          <a:effectRef idx="1">
+            <a:schemeClr val="accent1"/>
+          </a:effectRef>
+          <a:fontRef idx="minor">
+            <a:schemeClr val="tx1"/>
+          </a:fontRef>
+        </p:style>
+      </p:cxnSp>
+    </p:spTree>
+    <p:extLst>
+      <p:ext uri="{BB962C8B-B14F-4D97-AF65-F5344CB8AC3E}">
+        <p14:creationId xmlns:p14="http://schemas.microsoft.com/office/powerpoint/2010/main" val="3924223858"/>
+      </p:ext>
+    </p:extLst>
+  </p:cSld>
+  <p:clrMapOvr>
+    <a:masterClrMapping/>
+  </p:clrMapOvr>
+</p:sld>
+</file>
+
+<file path=ppt/slides/slide7.xml><?xml version="1.0" encoding="utf-8"?>
+<p:sld xmlns:a="http://schemas.openxmlformats.org/drawingml/2006/main" xmlns:r="http://schemas.openxmlformats.org/officeDocument/2006/relationships" xmlns:p="http://schemas.openxmlformats.org/presentationml/2006/main">
+  <p:cSld>
+    <p:spTree>
+      <p:nvGrpSpPr>
+        <p:cNvPr id="1" name=""/>
+        <p:cNvGrpSpPr/>
+        <p:nvPr/>
+      </p:nvGrpSpPr>
+      <p:grpSpPr>
+        <a:xfrm>
+          <a:off x="0" y="0"/>
+          <a:ext cx="0" cy="0"/>
+          <a:chOff x="0" y="0"/>
+          <a:chExt cx="0" cy="0"/>
+        </a:xfrm>
+      </p:grpSpPr>
+      <p:sp>
+        <p:nvSpPr>
+          <p:cNvPr id="2" name="Title 1">
+            <a:extLst>
+              <a:ext uri="{FF2B5EF4-FFF2-40B4-BE49-F238E27FC236}">
+                <a16:creationId xmlns:a16="http://schemas.microsoft.com/office/drawing/2014/main" id="{D99873D0-B625-74F3-E05A-9BDD2DE0F282}"/>
+              </a:ext>
+            </a:extLst>
+          </p:cNvPr>
+          <p:cNvSpPr>
+            <a:spLocks noGrp="1"/>
+          </p:cNvSpPr>
+          <p:nvPr>
+            <p:ph type="title"/>
+          </p:nvPr>
+        </p:nvSpPr>
+        <p:spPr/>
+        <p:txBody>
+          <a:bodyPr/>
+          <a:lstStyle/>
+          <a:p>
+            <a:endParaRPr lang="en-IN"/>
+          </a:p>
+        </p:txBody>
+      </p:sp>
+      <p:sp>
+        <p:nvSpPr>
+          <p:cNvPr id="3" name="Content Placeholder 2">
+            <a:extLst>
+              <a:ext uri="{FF2B5EF4-FFF2-40B4-BE49-F238E27FC236}">
+                <a16:creationId xmlns:a16="http://schemas.microsoft.com/office/drawing/2014/main" id="{962829EF-2DBA-7542-EF2A-AD40906408F1}"/>
+              </a:ext>
+            </a:extLst>
+          </p:cNvPr>
+          <p:cNvSpPr>
+            <a:spLocks noGrp="1"/>
+          </p:cNvSpPr>
+          <p:nvPr>
+            <p:ph idx="1"/>
+          </p:nvPr>
+        </p:nvSpPr>
+        <p:spPr/>
+        <p:txBody>
+          <a:bodyPr/>
+          <a:lstStyle/>
+          <a:p>
+            <a:endParaRPr lang="en-IN"/>
+          </a:p>
+        </p:txBody>
+      </p:sp>
+    </p:spTree>
+    <p:extLst>
+      <p:ext uri="{BB962C8B-B14F-4D97-AF65-F5344CB8AC3E}">
+        <p14:creationId xmlns:p14="http://schemas.microsoft.com/office/powerpoint/2010/main" val="3779935568"/>
+      </p:ext>
+    </p:extLst>
+  </p:cSld>
+  <p:clrMapOvr>
+    <a:masterClrMapping/>
+  </p:clrMapOvr>
+</p:sld>
+</file>
+
+<file path=ppt/slides/slide8.xml><?xml version="1.0" encoding="utf-8"?>
+<p:sld xmlns:a="http://schemas.openxmlformats.org/drawingml/2006/main" xmlns:r="http://schemas.openxmlformats.org/officeDocument/2006/relationships" xmlns:p="http://schemas.openxmlformats.org/presentationml/2006/main">
+  <p:cSld>
+    <p:spTree>
+      <p:nvGrpSpPr>
+        <p:cNvPr id="1" name=""/>
+        <p:cNvGrpSpPr/>
+        <p:nvPr/>
+      </p:nvGrpSpPr>
+      <p:grpSpPr>
+        <a:xfrm>
+          <a:off x="0" y="0"/>
+          <a:ext cx="0" cy="0"/>
+          <a:chOff x="0" y="0"/>
+          <a:chExt cx="0" cy="0"/>
+        </a:xfrm>
+      </p:grpSpPr>
+      <p:sp>
+        <p:nvSpPr>
           <p:cNvPr id="4" name="Oval 3">
             <a:extLst>
               <a:ext uri="{FF2B5EF4-FFF2-40B4-BE49-F238E27FC236}">
@@ -16540,7 +18441,7 @@
 </p:sld>
 </file>
 
-<file path=ppt/slides/slide7.xml><?xml version="1.0" encoding="utf-8"?>
+<file path=ppt/slides/slide9.xml><?xml version="1.0" encoding="utf-8"?>
 <p:sld xmlns:a="http://schemas.openxmlformats.org/drawingml/2006/main" xmlns:r="http://schemas.openxmlformats.org/officeDocument/2006/relationships" xmlns:p="http://schemas.openxmlformats.org/presentationml/2006/main">
   <p:cSld>
     <p:spTree>
